--- a/lesson_7/7주차실습.pptx
+++ b/lesson_7/7주차실습.pptx
@@ -4913,7 +4913,7 @@
     <mc:Choice Requires="p14">
       <p:transition/>
     </mc:Choice>
-    <mc:Fallback xmlns:dsp="http://schemas.microsoft.com/office/drawing/2008/diagram" xmlns:dgm="http://schemas.openxmlformats.org/drawingml/2006/diagram" xmlns:c="http://schemas.openxmlformats.org/drawingml/2006/chart" xmlns="">
+    <mc:Fallback xmlns="" xmlns:c="http://schemas.openxmlformats.org/drawingml/2006/chart" xmlns:dgm="http://schemas.openxmlformats.org/drawingml/2006/diagram" xmlns:dsp="http://schemas.microsoft.com/office/drawing/2008/diagram">
       <p:transition/>
     </mc:Fallback>
   </mc:AlternateContent>
@@ -5139,7 +5139,7 @@
             </a:r>
             <a:r>
               <a:rPr lang="ko-KR" altLang="en-US" dirty="0"/>
-              <a:t> 객체의 외부에서 접근이 가능한 멤버</a:t>
+              <a:t> 클래스의 외부에서 접근이 가능한 멤버</a:t>
             </a:r>
             <a:endParaRPr lang="en-US" altLang="ko-KR" dirty="0"/>
           </a:p>
@@ -5155,7 +5155,7 @@
             </a:r>
             <a:r>
               <a:rPr lang="ko-KR" altLang="en-US" dirty="0"/>
-              <a:t>객체 외부에서 접근이 불가능하고</a:t>
+              <a:t>클래스 외부에서 접근이 불가능하고</a:t>
             </a:r>
             <a:r>
               <a:rPr lang="en-US" altLang="ko-KR" dirty="0"/>
@@ -5163,7 +5163,7 @@
             </a:r>
             <a:r>
               <a:rPr lang="ko-KR" altLang="en-US" dirty="0"/>
-              <a:t>객체 내부</a:t>
+              <a:t>클래스 내부</a:t>
             </a:r>
             <a:r>
               <a:rPr lang="en-US" altLang="ko-KR" dirty="0"/>
@@ -5199,7 +5199,7 @@
             </a:r>
             <a:r>
               <a:rPr lang="ko-KR" altLang="en-US" dirty="0"/>
-              <a:t>객체 외부</a:t>
+              <a:t>클래스 외부</a:t>
             </a:r>
             <a:r>
               <a:rPr lang="en-US" altLang="ko-KR" dirty="0"/>
@@ -5227,7 +5227,7 @@
             </a:r>
             <a:r>
               <a:rPr lang="ko-KR" altLang="en-US" dirty="0"/>
-              <a:t>객체 내부와 </a:t>
+              <a:t>클래스 내부와 </a:t>
             </a:r>
             <a:r>
               <a:rPr lang="ko-KR" altLang="en-US" dirty="0" err="1"/>
@@ -5810,7 +5810,7 @@
     <mc:Choice Requires="p14">
       <p:transition/>
     </mc:Choice>
-    <mc:Fallback xmlns:dsp="http://schemas.microsoft.com/office/drawing/2008/diagram" xmlns:dgm="http://schemas.openxmlformats.org/drawingml/2006/diagram" xmlns:c="http://schemas.openxmlformats.org/drawingml/2006/chart" xmlns="">
+    <mc:Fallback xmlns="" xmlns:c="http://schemas.openxmlformats.org/drawingml/2006/chart" xmlns:dgm="http://schemas.openxmlformats.org/drawingml/2006/diagram" xmlns:dsp="http://schemas.microsoft.com/office/drawing/2008/diagram">
       <p:transition/>
     </mc:Fallback>
   </mc:AlternateContent>
@@ -8577,7 +8577,7 @@
     <mc:Choice Requires="p14">
       <p:transition/>
     </mc:Choice>
-    <mc:Fallback xmlns:dsp="http://schemas.microsoft.com/office/drawing/2008/diagram" xmlns:dgm="http://schemas.openxmlformats.org/drawingml/2006/diagram" xmlns:c="http://schemas.openxmlformats.org/drawingml/2006/chart" xmlns="">
+    <mc:Fallback xmlns="" xmlns:c="http://schemas.openxmlformats.org/drawingml/2006/chart" xmlns:dgm="http://schemas.openxmlformats.org/drawingml/2006/diagram" xmlns:dsp="http://schemas.microsoft.com/office/drawing/2008/diagram">
       <p:transition/>
     </mc:Fallback>
   </mc:AlternateContent>
@@ -8930,7 +8930,7 @@
     <mc:Choice Requires="p14">
       <p:transition/>
     </mc:Choice>
-    <mc:Fallback xmlns:dsp="http://schemas.microsoft.com/office/drawing/2008/diagram" xmlns:dgm="http://schemas.openxmlformats.org/drawingml/2006/diagram" xmlns:c="http://schemas.openxmlformats.org/drawingml/2006/chart" xmlns="">
+    <mc:Fallback xmlns="" xmlns:c="http://schemas.openxmlformats.org/drawingml/2006/chart" xmlns:dgm="http://schemas.openxmlformats.org/drawingml/2006/diagram" xmlns:dsp="http://schemas.microsoft.com/office/drawing/2008/diagram">
       <p:transition/>
     </mc:Fallback>
   </mc:AlternateContent>
@@ -9122,7 +9122,7 @@
     <mc:Choice Requires="p14">
       <p:transition/>
     </mc:Choice>
-    <mc:Fallback xmlns:dsp="http://schemas.microsoft.com/office/drawing/2008/diagram" xmlns:dgm="http://schemas.openxmlformats.org/drawingml/2006/diagram" xmlns:c="http://schemas.openxmlformats.org/drawingml/2006/chart" xmlns="">
+    <mc:Fallback xmlns="" xmlns:c="http://schemas.openxmlformats.org/drawingml/2006/chart" xmlns:dgm="http://schemas.openxmlformats.org/drawingml/2006/diagram" xmlns:dsp="http://schemas.microsoft.com/office/drawing/2008/diagram">
       <p:transition/>
     </mc:Fallback>
   </mc:AlternateContent>
@@ -9399,7 +9399,7 @@
     <mc:Choice Requires="p14">
       <p:transition/>
     </mc:Choice>
-    <mc:Fallback xmlns:dsp="http://schemas.microsoft.com/office/drawing/2008/diagram" xmlns:dgm="http://schemas.openxmlformats.org/drawingml/2006/diagram" xmlns:c="http://schemas.openxmlformats.org/drawingml/2006/chart" xmlns="">
+    <mc:Fallback xmlns="" xmlns:c="http://schemas.openxmlformats.org/drawingml/2006/chart" xmlns:dgm="http://schemas.openxmlformats.org/drawingml/2006/diagram" xmlns:dsp="http://schemas.microsoft.com/office/drawing/2008/diagram">
       <p:transition/>
     </mc:Fallback>
   </mc:AlternateContent>
@@ -9584,7 +9584,7 @@
     <mc:Choice Requires="p14">
       <p:transition/>
     </mc:Choice>
-    <mc:Fallback xmlns:dsp="http://schemas.microsoft.com/office/drawing/2008/diagram" xmlns:dgm="http://schemas.openxmlformats.org/drawingml/2006/diagram" xmlns:c="http://schemas.openxmlformats.org/drawingml/2006/chart" xmlns="">
+    <mc:Fallback xmlns="" xmlns:c="http://schemas.openxmlformats.org/drawingml/2006/chart" xmlns:dgm="http://schemas.openxmlformats.org/drawingml/2006/diagram" xmlns:dsp="http://schemas.microsoft.com/office/drawing/2008/diagram">
       <p:transition/>
     </mc:Fallback>
   </mc:AlternateContent>
@@ -9884,7 +9884,7 @@
     <mc:Choice Requires="p14">
       <p:transition/>
     </mc:Choice>
-    <mc:Fallback xmlns:dsp="http://schemas.microsoft.com/office/drawing/2008/diagram" xmlns:dgm="http://schemas.openxmlformats.org/drawingml/2006/diagram" xmlns:c="http://schemas.openxmlformats.org/drawingml/2006/chart" xmlns="">
+    <mc:Fallback xmlns="" xmlns:c="http://schemas.openxmlformats.org/drawingml/2006/chart" xmlns:dgm="http://schemas.openxmlformats.org/drawingml/2006/diagram" xmlns:dsp="http://schemas.microsoft.com/office/drawing/2008/diagram">
       <p:transition/>
     </mc:Fallback>
   </mc:AlternateContent>
@@ -10115,7 +10115,7 @@
     <mc:Choice Requires="p14">
       <p:transition/>
     </mc:Choice>
-    <mc:Fallback xmlns:dsp="http://schemas.microsoft.com/office/drawing/2008/diagram" xmlns:dgm="http://schemas.openxmlformats.org/drawingml/2006/diagram" xmlns:c="http://schemas.openxmlformats.org/drawingml/2006/chart" xmlns="">
+    <mc:Fallback xmlns="" xmlns:c="http://schemas.openxmlformats.org/drawingml/2006/chart" xmlns:dgm="http://schemas.openxmlformats.org/drawingml/2006/diagram" xmlns:dsp="http://schemas.microsoft.com/office/drawing/2008/diagram">
       <p:transition/>
     </mc:Fallback>
   </mc:AlternateContent>
@@ -10443,7 +10443,7 @@
     <mc:Choice Requires="p14">
       <p:transition/>
     </mc:Choice>
-    <mc:Fallback xmlns:dsp="http://schemas.microsoft.com/office/drawing/2008/diagram" xmlns:dgm="http://schemas.openxmlformats.org/drawingml/2006/diagram" xmlns:c="http://schemas.openxmlformats.org/drawingml/2006/chart" xmlns="">
+    <mc:Fallback xmlns="" xmlns:c="http://schemas.openxmlformats.org/drawingml/2006/chart" xmlns:dgm="http://schemas.openxmlformats.org/drawingml/2006/diagram" xmlns:dsp="http://schemas.microsoft.com/office/drawing/2008/diagram">
       <p:transition/>
     </mc:Fallback>
   </mc:AlternateContent>
